--- a/1. Document/Slides/06-Object Initializers.pptx
+++ b/1. Document/Slides/06-Object Initializers.pptx
@@ -211,7 +211,7 @@
           <a:p>
             <a:fld id="{749F7025-33D9-4E9F-9955-A14222A03D05}" type="datetimeFigureOut">
               <a:rPr lang="en-US" smtClean="0"/>
-              <a:t>8/29/2021</a:t>
+              <a:t>1/18/2025</a:t>
             </a:fld>
             <a:endParaRPr lang="en-US"/>
           </a:p>
@@ -606,6 +606,102 @@
           <a:bodyPr/>
           <a:lstStyle/>
           <a:p>
+            <a:r>
+              <a:rPr lang="en-US" dirty="0"/>
+              <a:t>- sử dụng (get; set) thay cho </a:t>
+            </a:r>
+            <a:r>
+              <a:rPr lang="en-US"/>
+              <a:t>việc tạo hàm </a:t>
+            </a:r>
+            <a:r>
+              <a:rPr lang="en-US" dirty="0" err="1"/>
+              <a:t>contructor</a:t>
+            </a:r>
+            <a:endParaRPr lang="en-US" dirty="0"/>
+          </a:p>
+        </p:txBody>
+      </p:sp>
+      <p:sp>
+        <p:nvSpPr>
+          <p:cNvPr id="4" name="Slide Number Placeholder 3"/>
+          <p:cNvSpPr>
+            <a:spLocks noGrp="1"/>
+          </p:cNvSpPr>
+          <p:nvPr>
+            <p:ph type="sldNum" sz="quarter" idx="5"/>
+          </p:nvPr>
+        </p:nvSpPr>
+        <p:spPr/>
+        <p:txBody>
+          <a:bodyPr/>
+          <a:lstStyle/>
+          <a:p>
+            <a:fld id="{46D3E3EA-CC6A-448F-83C3-9A526F33CF9E}" type="slidenum">
+              <a:rPr lang="en-US" smtClean="0"/>
+              <a:t>2</a:t>
+            </a:fld>
+            <a:endParaRPr lang="en-US"/>
+          </a:p>
+        </p:txBody>
+      </p:sp>
+    </p:spTree>
+    <p:extLst>
+      <p:ext uri="{BB962C8B-B14F-4D97-AF65-F5344CB8AC3E}">
+        <p14:creationId xmlns:p14="http://schemas.microsoft.com/office/powerpoint/2010/main" val="1780533188"/>
+      </p:ext>
+    </p:extLst>
+  </p:cSld>
+  <p:clrMapOvr>
+    <a:masterClrMapping/>
+  </p:clrMapOvr>
+</p:notes>
+</file>
+
+<file path=ppt/notesSlides/notesSlide3.xml><?xml version="1.0" encoding="utf-8"?>
+<p:notes xmlns:a="http://schemas.openxmlformats.org/drawingml/2006/main" xmlns:r="http://schemas.openxmlformats.org/officeDocument/2006/relationships" xmlns:p="http://schemas.openxmlformats.org/presentationml/2006/main">
+  <p:cSld>
+    <p:spTree>
+      <p:nvGrpSpPr>
+        <p:cNvPr id="1" name=""/>
+        <p:cNvGrpSpPr/>
+        <p:nvPr/>
+      </p:nvGrpSpPr>
+      <p:grpSpPr>
+        <a:xfrm>
+          <a:off x="0" y="0"/>
+          <a:ext cx="0" cy="0"/>
+          <a:chOff x="0" y="0"/>
+          <a:chExt cx="0" cy="0"/>
+        </a:xfrm>
+      </p:grpSpPr>
+      <p:sp>
+        <p:nvSpPr>
+          <p:cNvPr id="2" name="Slide Image Placeholder 1"/>
+          <p:cNvSpPr>
+            <a:spLocks noGrp="1" noRot="1" noChangeAspect="1"/>
+          </p:cNvSpPr>
+          <p:nvPr>
+            <p:ph type="sldImg"/>
+          </p:nvPr>
+        </p:nvSpPr>
+        <p:spPr/>
+      </p:sp>
+      <p:sp>
+        <p:nvSpPr>
+          <p:cNvPr id="3" name="Notes Placeholder 2"/>
+          <p:cNvSpPr>
+            <a:spLocks noGrp="1"/>
+          </p:cNvSpPr>
+          <p:nvPr>
+            <p:ph type="body" idx="1"/>
+          </p:nvPr>
+        </p:nvSpPr>
+        <p:spPr/>
+        <p:txBody>
+          <a:bodyPr/>
+          <a:lstStyle/>
+          <a:p>
             <a:endParaRPr lang="en-US"/>
           </a:p>
         </p:txBody>
@@ -825,7 +921,7 @@
           <a:p>
             <a:fld id="{1ADF62C2-72EA-4953-A1D6-568F980002B8}" type="datetimeFigureOut">
               <a:rPr lang="en-US" smtClean="0"/>
-              <a:t>8/29/2021</a:t>
+              <a:t>1/18/2025</a:t>
             </a:fld>
             <a:endParaRPr lang="en-US"/>
           </a:p>
@@ -993,7 +1089,7 @@
           <a:p>
             <a:fld id="{1ADF62C2-72EA-4953-A1D6-568F980002B8}" type="datetimeFigureOut">
               <a:rPr lang="en-US" smtClean="0"/>
-              <a:t>8/29/2021</a:t>
+              <a:t>1/18/2025</a:t>
             </a:fld>
             <a:endParaRPr lang="en-US"/>
           </a:p>
@@ -1171,7 +1267,7 @@
           <a:p>
             <a:fld id="{1ADF62C2-72EA-4953-A1D6-568F980002B8}" type="datetimeFigureOut">
               <a:rPr lang="en-US" smtClean="0"/>
-              <a:t>8/29/2021</a:t>
+              <a:t>1/18/2025</a:t>
             </a:fld>
             <a:endParaRPr lang="en-US"/>
           </a:p>
@@ -1803,7 +1899,7 @@
           <a:p>
             <a:fld id="{1ADF62C2-72EA-4953-A1D6-568F980002B8}" type="datetimeFigureOut">
               <a:rPr lang="en-US" smtClean="0"/>
-              <a:t>8/29/2021</a:t>
+              <a:t>1/18/2025</a:t>
             </a:fld>
             <a:endParaRPr lang="en-US"/>
           </a:p>
@@ -2088,7 +2184,7 @@
           <a:p>
             <a:fld id="{1ADF62C2-72EA-4953-A1D6-568F980002B8}" type="datetimeFigureOut">
               <a:rPr lang="en-US" smtClean="0"/>
-              <a:t>8/29/2021</a:t>
+              <a:t>1/18/2025</a:t>
             </a:fld>
             <a:endParaRPr lang="en-US"/>
           </a:p>
@@ -2507,7 +2603,7 @@
           <a:p>
             <a:fld id="{1ADF62C2-72EA-4953-A1D6-568F980002B8}" type="datetimeFigureOut">
               <a:rPr lang="en-US" smtClean="0"/>
-              <a:t>8/29/2021</a:t>
+              <a:t>1/18/2025</a:t>
             </a:fld>
             <a:endParaRPr lang="en-US"/>
           </a:p>
@@ -2624,7 +2720,7 @@
           <a:p>
             <a:fld id="{1ADF62C2-72EA-4953-A1D6-568F980002B8}" type="datetimeFigureOut">
               <a:rPr lang="en-US" smtClean="0"/>
-              <a:t>8/29/2021</a:t>
+              <a:t>1/18/2025</a:t>
             </a:fld>
             <a:endParaRPr lang="en-US"/>
           </a:p>
@@ -2719,7 +2815,7 @@
           <a:p>
             <a:fld id="{1ADF62C2-72EA-4953-A1D6-568F980002B8}" type="datetimeFigureOut">
               <a:rPr lang="en-US" smtClean="0"/>
-              <a:t>8/29/2021</a:t>
+              <a:t>1/18/2025</a:t>
             </a:fld>
             <a:endParaRPr lang="en-US"/>
           </a:p>
@@ -2994,7 +3090,7 @@
           <a:p>
             <a:fld id="{1ADF62C2-72EA-4953-A1D6-568F980002B8}" type="datetimeFigureOut">
               <a:rPr lang="en-US" smtClean="0"/>
-              <a:t>8/29/2021</a:t>
+              <a:t>1/18/2025</a:t>
             </a:fld>
             <a:endParaRPr lang="en-US"/>
           </a:p>
@@ -3246,7 +3342,7 @@
           <a:p>
             <a:fld id="{1ADF62C2-72EA-4953-A1D6-568F980002B8}" type="datetimeFigureOut">
               <a:rPr lang="en-US" smtClean="0"/>
-              <a:t>8/29/2021</a:t>
+              <a:t>1/18/2025</a:t>
             </a:fld>
             <a:endParaRPr lang="en-US"/>
           </a:p>
@@ -3457,7 +3553,7 @@
           <a:p>
             <a:fld id="{1ADF62C2-72EA-4953-A1D6-568F980002B8}" type="datetimeFigureOut">
               <a:rPr lang="en-US" smtClean="0"/>
-              <a:t>8/29/2021</a:t>
+              <a:t>1/18/2025</a:t>
             </a:fld>
             <a:endParaRPr lang="en-US"/>
           </a:p>
@@ -3998,7 +4094,7 @@
               <a:defRPr/>
             </a:pPr>
             <a:r>
-              <a:rPr lang="en-US" kern="0">
+              <a:rPr lang="en-US" kern="0" dirty="0">
                 <a:solidFill>
                   <a:srgbClr val="002060"/>
                 </a:solidFill>
@@ -4006,7 +4102,7 @@
               </a:rPr>
               <a:t>Object Initializers</a:t>
             </a:r>
-            <a:endParaRPr kumimoji="0" lang="en-US" sz="4800" b="1" i="0" u="none" strike="noStrike" kern="0" cap="none" spc="0" normalizeH="0" baseline="0" noProof="0">
+            <a:endParaRPr kumimoji="0" lang="en-US" sz="4800" b="1" i="0" u="none" strike="noStrike" kern="0" cap="none" spc="0" normalizeH="0" baseline="0" noProof="0" dirty="0">
               <a:ln>
                 <a:noFill/>
               </a:ln>
